--- a/P1_02_presentation.pptx
+++ b/P1_02_presentation.pptx
@@ -114,6 +114,11 @@
       </a:defRPr>
     </a:lvl9pPr>
   </p:defaultTextStyle>
+  <p:extLst>
+    <p:ext uri="{EFAFB233-063F-42B5-8137-9DF3F51BA10A}">
+      <p15:sldGuideLst xmlns:p15="http://schemas.microsoft.com/office/powerpoint/2012/main"/>
+    </p:ext>
+  </p:extLst>
 </p:presentation>
 </file>
 
@@ -248,7 +253,7 @@
           <a:p>
             <a:fld id="{A873A92F-AD56-41F4-B545-9CACA2145520}" type="datetimeFigureOut">
               <a:rPr lang="fr-FR" smtClean="0"/>
-              <a:t>28/04/2022</a:t>
+              <a:t>09/05/2022</a:t>
             </a:fld>
             <a:endParaRPr lang="fr-FR"/>
           </a:p>
@@ -418,7 +423,7 @@
           <a:p>
             <a:fld id="{A873A92F-AD56-41F4-B545-9CACA2145520}" type="datetimeFigureOut">
               <a:rPr lang="fr-FR" smtClean="0"/>
-              <a:t>28/04/2022</a:t>
+              <a:t>09/05/2022</a:t>
             </a:fld>
             <a:endParaRPr lang="fr-FR"/>
           </a:p>
@@ -598,7 +603,7 @@
           <a:p>
             <a:fld id="{A873A92F-AD56-41F4-B545-9CACA2145520}" type="datetimeFigureOut">
               <a:rPr lang="fr-FR" smtClean="0"/>
-              <a:t>28/04/2022</a:t>
+              <a:t>09/05/2022</a:t>
             </a:fld>
             <a:endParaRPr lang="fr-FR"/>
           </a:p>
@@ -768,7 +773,7 @@
           <a:p>
             <a:fld id="{A873A92F-AD56-41F4-B545-9CACA2145520}" type="datetimeFigureOut">
               <a:rPr lang="fr-FR" smtClean="0"/>
-              <a:t>28/04/2022</a:t>
+              <a:t>09/05/2022</a:t>
             </a:fld>
             <a:endParaRPr lang="fr-FR"/>
           </a:p>
@@ -1014,7 +1019,7 @@
           <a:p>
             <a:fld id="{A873A92F-AD56-41F4-B545-9CACA2145520}" type="datetimeFigureOut">
               <a:rPr lang="fr-FR" smtClean="0"/>
-              <a:t>28/04/2022</a:t>
+              <a:t>09/05/2022</a:t>
             </a:fld>
             <a:endParaRPr lang="fr-FR"/>
           </a:p>
@@ -1246,7 +1251,7 @@
           <a:p>
             <a:fld id="{A873A92F-AD56-41F4-B545-9CACA2145520}" type="datetimeFigureOut">
               <a:rPr lang="fr-FR" smtClean="0"/>
-              <a:t>28/04/2022</a:t>
+              <a:t>09/05/2022</a:t>
             </a:fld>
             <a:endParaRPr lang="fr-FR"/>
           </a:p>
@@ -1613,7 +1618,7 @@
           <a:p>
             <a:fld id="{A873A92F-AD56-41F4-B545-9CACA2145520}" type="datetimeFigureOut">
               <a:rPr lang="fr-FR" smtClean="0"/>
-              <a:t>28/04/2022</a:t>
+              <a:t>09/05/2022</a:t>
             </a:fld>
             <a:endParaRPr lang="fr-FR"/>
           </a:p>
@@ -1731,7 +1736,7 @@
           <a:p>
             <a:fld id="{A873A92F-AD56-41F4-B545-9CACA2145520}" type="datetimeFigureOut">
               <a:rPr lang="fr-FR" smtClean="0"/>
-              <a:t>28/04/2022</a:t>
+              <a:t>09/05/2022</a:t>
             </a:fld>
             <a:endParaRPr lang="fr-FR"/>
           </a:p>
@@ -1826,7 +1831,7 @@
           <a:p>
             <a:fld id="{A873A92F-AD56-41F4-B545-9CACA2145520}" type="datetimeFigureOut">
               <a:rPr lang="fr-FR" smtClean="0"/>
-              <a:t>28/04/2022</a:t>
+              <a:t>09/05/2022</a:t>
             </a:fld>
             <a:endParaRPr lang="fr-FR"/>
           </a:p>
@@ -2103,7 +2108,7 @@
           <a:p>
             <a:fld id="{A873A92F-AD56-41F4-B545-9CACA2145520}" type="datetimeFigureOut">
               <a:rPr lang="fr-FR" smtClean="0"/>
-              <a:t>28/04/2022</a:t>
+              <a:t>09/05/2022</a:t>
             </a:fld>
             <a:endParaRPr lang="fr-FR"/>
           </a:p>
@@ -2356,7 +2361,7 @@
           <a:p>
             <a:fld id="{A873A92F-AD56-41F4-B545-9CACA2145520}" type="datetimeFigureOut">
               <a:rPr lang="fr-FR" smtClean="0"/>
-              <a:t>28/04/2022</a:t>
+              <a:t>09/05/2022</a:t>
             </a:fld>
             <a:endParaRPr lang="fr-FR"/>
           </a:p>
@@ -2569,7 +2574,7 @@
           <a:p>
             <a:fld id="{A873A92F-AD56-41F4-B545-9CACA2145520}" type="datetimeFigureOut">
               <a:rPr lang="fr-FR" smtClean="0"/>
-              <a:t>28/04/2022</a:t>
+              <a:t>09/05/2022</a:t>
             </a:fld>
             <a:endParaRPr lang="fr-FR"/>
           </a:p>
@@ -3293,13 +3298,8 @@
             </a:r>
             <a:r>
               <a:rPr lang="fr-FR" sz="2000" dirty="0" smtClean="0"/>
-              <a:t> in?'}]</a:t>
-            </a:r>
-            <a:r>
-              <a:rPr lang="fr-FR" sz="2000" dirty="0" smtClean="0"/>
-              <a:t>"</a:t>
-            </a:r>
-            <a:endParaRPr lang="fr-FR" sz="2000" dirty="0" smtClean="0"/>
+              <a:t> in?'}]"</a:t>
+            </a:r>
           </a:p>
           <a:p>
             <a:pPr marL="0" indent="0">
@@ -3418,7 +3418,7 @@
       </p:sp>
       <p:pic>
         <p:nvPicPr>
-          <p:cNvPr id="4" name="Image 3"/>
+          <p:cNvPr id="5" name="Image 4"/>
           <p:cNvPicPr>
             <a:picLocks noChangeAspect="1"/>
           </p:cNvPicPr>
@@ -3432,8 +3432,8 @@
         </p:blipFill>
         <p:spPr>
           <a:xfrm>
-            <a:off x="4927600" y="1825625"/>
-            <a:ext cx="7009461" cy="4198937"/>
+            <a:off x="4929752" y="1825625"/>
+            <a:ext cx="7262248" cy="4399756"/>
           </a:xfrm>
           <a:prstGeom prst="rect">
             <a:avLst/>
@@ -3748,7 +3748,15 @@
           <a:p>
             <a:r>
               <a:rPr lang="fr-FR" dirty="0" smtClean="0"/>
-              <a:t>Pour cela, produire un script permettant de détecter la langue de quelques paragraphes d’exemple des 5 langues les plus parlées.</a:t>
+              <a:t>Pour cela, produire un script permettant de détecter la langue </a:t>
+            </a:r>
+            <a:r>
+              <a:rPr lang="fr-FR" dirty="0" smtClean="0"/>
+              <a:t>d’un paragraphe textuel dans l’une </a:t>
+            </a:r>
+            <a:r>
+              <a:rPr lang="fr-FR" dirty="0" smtClean="0"/>
+              <a:t>des 5 langues les plus parlées.</a:t>
             </a:r>
             <a:endParaRPr lang="fr-FR" dirty="0"/>
           </a:p>
@@ -3824,15 +3832,53 @@
           <a:p>
             <a:r>
               <a:rPr lang="fr-CM" dirty="0" smtClean="0"/>
-              <a:t>La détection de langue est l’une des fonctionnalités offertes par Azure Cognitive Service for </a:t>
+              <a:t>Service Cloud pour l’IA spécialisé dans la détection de langue</a:t>
+            </a:r>
+          </a:p>
+          <a:p>
+            <a:r>
+              <a:rPr lang="fr-CM" dirty="0" smtClean="0"/>
+              <a:t>Fait partie de la famille Azure </a:t>
+            </a:r>
+            <a:r>
+              <a:rPr lang="fr-CM" dirty="0" smtClean="0"/>
+              <a:t>Cognitive Service for </a:t>
             </a:r>
             <a:r>
               <a:rPr lang="fr-CM" dirty="0" err="1" smtClean="0"/>
               <a:t>Language</a:t>
             </a:r>
+            <a:endParaRPr lang="fr-CM" dirty="0" smtClean="0"/>
+          </a:p>
+          <a:p>
             <a:r>
               <a:rPr lang="fr-CM" dirty="0" smtClean="0"/>
-              <a:t>, un ensemble d’algorithmes de Machine Learning et IA dans le cloud pour le développement d’applications intelligentes qui impliquent du langage écrit. La détection de langue peut détecter la langue dans laquelle un document est écrit, et retourne un code de langue pour un large éventail de langues, de variantes, de dialectes et certaines langues régionales/culturelles. (source: </a:t>
+              <a:t>API</a:t>
+            </a:r>
+          </a:p>
+          <a:p>
+            <a:r>
+              <a:rPr lang="fr-CM" dirty="0" smtClean="0"/>
+              <a:t>Entrée: Texte ou paragraphe</a:t>
+            </a:r>
+          </a:p>
+          <a:p>
+            <a:r>
+              <a:rPr lang="fr-CM" dirty="0" smtClean="0"/>
+              <a:t>Sortie: Code de la langue</a:t>
+            </a:r>
+          </a:p>
+          <a:p>
+            <a:pPr marL="0" indent="0">
+              <a:buNone/>
+            </a:pPr>
+            <a:r>
+              <a:rPr lang="fr-CM" dirty="0" smtClean="0"/>
+              <a:t> </a:t>
+            </a:r>
+            <a:r>
+              <a:rPr lang="fr-CM" dirty="0" smtClean="0"/>
+              <a:t>(source: </a:t>
             </a:r>
             <a:r>
               <a:rPr lang="fr-CM" dirty="0" smtClean="0">
@@ -3911,21 +3957,44 @@
             <p:ph idx="1"/>
           </p:nvPr>
         </p:nvSpPr>
-        <p:spPr/>
+        <p:spPr>
+          <a:xfrm>
+            <a:off x="838200" y="2041525"/>
+            <a:ext cx="10515600" cy="4351338"/>
+          </a:xfrm>
+        </p:spPr>
         <p:txBody>
           <a:bodyPr/>
           <a:lstStyle/>
           <a:p>
             <a:r>
               <a:rPr lang="fr-FR" dirty="0" smtClean="0"/>
-              <a:t>Il permet de détecter et de traduire près de 115 langues, de l’Afrikaans au Zoulou en passant par le français, l’anglais, l’allemand ou le chinois.</a:t>
-            </a:r>
-          </a:p>
-          <a:p>
+              <a:t>Il permet de détecter et de traduire près de 115 </a:t>
+            </a:r>
             <a:r>
               <a:rPr lang="fr-FR" dirty="0" smtClean="0"/>
-              <a:t>En tant que service Cloud, il est exploitable via api, avec des paramètres spécifiques, tel que la clé unique d’accès au service, le texte à analyser;</a:t>
-            </a:r>
+              <a:t>langues;</a:t>
+            </a:r>
+            <a:endParaRPr lang="fr-FR" dirty="0" smtClean="0"/>
+          </a:p>
+          <a:p>
+            <a:r>
+              <a:rPr lang="fr-FR" dirty="0" smtClean="0"/>
+              <a:t>Utilise une </a:t>
+            </a:r>
+            <a:r>
+              <a:rPr lang="fr-FR" dirty="0" smtClean="0"/>
+              <a:t>clé </a:t>
+            </a:r>
+            <a:r>
+              <a:rPr lang="fr-FR" dirty="0" smtClean="0"/>
+              <a:t>unique d’accès au </a:t>
+            </a:r>
+            <a:r>
+              <a:rPr lang="fr-FR" dirty="0" smtClean="0"/>
+              <a:t>service pour l’api;</a:t>
+            </a:r>
+            <a:endParaRPr lang="fr-FR" dirty="0" smtClean="0"/>
           </a:p>
           <a:p>
             <a:r>
